--- a/Prezentacja.pptx
+++ b/Prezentacja.pptx
@@ -7,8 +7,17 @@
   <p:sldIdLst>
     <p:sldId id="256" r:id="rId2"/>
     <p:sldId id="257" r:id="rId3"/>
-    <p:sldId id="258" r:id="rId4"/>
-    <p:sldId id="259" r:id="rId5"/>
+    <p:sldId id="260" r:id="rId4"/>
+    <p:sldId id="262" r:id="rId5"/>
+    <p:sldId id="263" r:id="rId6"/>
+    <p:sldId id="264" r:id="rId7"/>
+    <p:sldId id="265" r:id="rId8"/>
+    <p:sldId id="267" r:id="rId9"/>
+    <p:sldId id="266" r:id="rId10"/>
+    <p:sldId id="268" r:id="rId11"/>
+    <p:sldId id="258" r:id="rId12"/>
+    <p:sldId id="261" r:id="rId13"/>
+    <p:sldId id="259" r:id="rId14"/>
   </p:sldIdLst>
   <p:sldSz cx="9144000" cy="6858000" type="screen4x3"/>
   <p:notesSz cx="6562725" cy="8686800"/>
@@ -137,6 +146,11 @@
       </a:defRPr>
     </a:lvl9pPr>
   </p:defaultTextStyle>
+  <p:extLst>
+    <p:ext uri="{EFAFB233-063F-42B5-8137-9DF3F51BA10A}">
+      <p15:sldGuideLst xmlns:p15="http://schemas.microsoft.com/office/powerpoint/2012/main"/>
+    </p:ext>
+  </p:extLst>
 </p:presentation>
 </file>
 
@@ -2659,9 +2673,415 @@
   <p:clrMapOvr>
     <a:masterClrMapping/>
   </p:clrMapOvr>
-  <p:transition>
-    <p:randomBar/>
-  </p:transition>
+  <mc:AlternateContent xmlns:mc="http://schemas.openxmlformats.org/markup-compatibility/2006" xmlns:p14="http://schemas.microsoft.com/office/powerpoint/2010/main">
+    <mc:Choice Requires="p14">
+      <p:transition p14:dur="0"/>
+    </mc:Choice>
+    <mc:Fallback xmlns="">
+      <p:transition/>
+    </mc:Fallback>
+  </mc:AlternateContent>
+  <p:timing>
+    <p:tnLst>
+      <p:par>
+        <p:cTn id="1" dur="indefinite" restart="never" nodeType="tmRoot"/>
+      </p:par>
+    </p:tnLst>
+  </p:timing>
+</p:sld>
+</file>
+
+<file path=ppt/slides/slide10.xml><?xml version="1.0" encoding="utf-8"?>
+<p:sld xmlns:a="http://schemas.openxmlformats.org/drawingml/2006/main" xmlns:r="http://schemas.openxmlformats.org/officeDocument/2006/relationships" xmlns:p="http://schemas.openxmlformats.org/presentationml/2006/main">
+  <p:cSld>
+    <p:spTree>
+      <p:nvGrpSpPr>
+        <p:cNvPr id="1" name=""/>
+        <p:cNvGrpSpPr/>
+        <p:nvPr/>
+      </p:nvGrpSpPr>
+      <p:grpSpPr>
+        <a:xfrm>
+          <a:off x="0" y="0"/>
+          <a:ext cx="0" cy="0"/>
+          <a:chOff x="0" y="0"/>
+          <a:chExt cx="0" cy="0"/>
+        </a:xfrm>
+      </p:grpSpPr>
+      <p:sp>
+        <p:nvSpPr>
+          <p:cNvPr id="2" name="Title 1"/>
+          <p:cNvSpPr>
+            <a:spLocks noGrp="1"/>
+          </p:cNvSpPr>
+          <p:nvPr>
+            <p:ph type="title"/>
+          </p:nvPr>
+        </p:nvSpPr>
+        <p:spPr/>
+        <p:txBody>
+          <a:bodyPr/>
+          <a:lstStyle/>
+          <a:p>
+            <a:r>
+              <a:rPr lang="pl-PL" dirty="0" smtClean="0"/>
+              <a:t>Proces uczenia</a:t>
+            </a:r>
+            <a:endParaRPr lang="pl-PL" dirty="0"/>
+          </a:p>
+        </p:txBody>
+      </p:sp>
+      <p:sp>
+        <p:nvSpPr>
+          <p:cNvPr id="3" name="Content Placeholder 2"/>
+          <p:cNvSpPr>
+            <a:spLocks noGrp="1"/>
+          </p:cNvSpPr>
+          <p:nvPr>
+            <p:ph idx="1"/>
+          </p:nvPr>
+        </p:nvSpPr>
+        <p:spPr/>
+        <p:txBody>
+          <a:bodyPr/>
+          <a:lstStyle/>
+          <a:p>
+            <a:endParaRPr lang="pl-PL"/>
+          </a:p>
+        </p:txBody>
+      </p:sp>
+    </p:spTree>
+    <p:extLst>
+      <p:ext uri="{BB962C8B-B14F-4D97-AF65-F5344CB8AC3E}">
+        <p14:creationId xmlns:p14="http://schemas.microsoft.com/office/powerpoint/2010/main" val="1415489862"/>
+      </p:ext>
+    </p:extLst>
+  </p:cSld>
+  <p:clrMapOvr>
+    <a:masterClrMapping/>
+  </p:clrMapOvr>
+  <mc:AlternateContent xmlns:mc="http://schemas.openxmlformats.org/markup-compatibility/2006">
+    <mc:Choice xmlns:p14="http://schemas.microsoft.com/office/powerpoint/2010/main" Requires="p14">
+      <p:transition p14:dur="0"/>
+    </mc:Choice>
+    <mc:Fallback>
+      <p:transition/>
+    </mc:Fallback>
+  </mc:AlternateContent>
+</p:sld>
+</file>
+
+<file path=ppt/slides/slide11.xml><?xml version="1.0" encoding="utf-8"?>
+<p:sld xmlns:a="http://schemas.openxmlformats.org/drawingml/2006/main" xmlns:r="http://schemas.openxmlformats.org/officeDocument/2006/relationships" xmlns:p="http://schemas.openxmlformats.org/presentationml/2006/main">
+  <p:cSld>
+    <p:spTree>
+      <p:nvGrpSpPr>
+        <p:cNvPr id="1" name=""/>
+        <p:cNvGrpSpPr/>
+        <p:nvPr/>
+      </p:nvGrpSpPr>
+      <p:grpSpPr>
+        <a:xfrm>
+          <a:off x="0" y="0"/>
+          <a:ext cx="0" cy="0"/>
+          <a:chOff x="0" y="0"/>
+          <a:chExt cx="0" cy="0"/>
+        </a:xfrm>
+      </p:grpSpPr>
+      <p:sp>
+        <p:nvSpPr>
+          <p:cNvPr id="2" name="Title 1"/>
+          <p:cNvSpPr>
+            <a:spLocks noGrp="1"/>
+          </p:cNvSpPr>
+          <p:nvPr>
+            <p:ph type="title"/>
+          </p:nvPr>
+        </p:nvSpPr>
+        <p:spPr/>
+        <p:txBody>
+          <a:bodyPr/>
+          <a:lstStyle/>
+          <a:p>
+            <a:endParaRPr lang="pl-PL" dirty="0"/>
+          </a:p>
+        </p:txBody>
+      </p:sp>
+      <p:sp>
+        <p:nvSpPr>
+          <p:cNvPr id="3" name="Content Placeholder 2"/>
+          <p:cNvSpPr>
+            <a:spLocks noGrp="1"/>
+          </p:cNvSpPr>
+          <p:nvPr>
+            <p:ph idx="1"/>
+          </p:nvPr>
+        </p:nvSpPr>
+        <p:spPr/>
+        <p:txBody>
+          <a:bodyPr/>
+          <a:lstStyle/>
+          <a:p>
+            <a:pPr algn="ctr"/>
+            <a:endParaRPr lang="pl-PL" dirty="0" smtClean="0"/>
+          </a:p>
+          <a:p>
+            <a:pPr algn="ctr"/>
+            <a:endParaRPr lang="pl-PL" dirty="0"/>
+          </a:p>
+          <a:p>
+            <a:pPr algn="ctr"/>
+            <a:endParaRPr lang="pl-PL" dirty="0" smtClean="0"/>
+          </a:p>
+          <a:p>
+            <a:pPr marL="0" indent="0" algn="ctr">
+              <a:buNone/>
+            </a:pPr>
+            <a:r>
+              <a:rPr lang="pl-PL" dirty="0" smtClean="0"/>
+              <a:t>Prezentacja programu</a:t>
+            </a:r>
+            <a:endParaRPr lang="pl-PL" dirty="0"/>
+          </a:p>
+        </p:txBody>
+      </p:sp>
+    </p:spTree>
+    <p:extLst>
+      <p:ext uri="{BB962C8B-B14F-4D97-AF65-F5344CB8AC3E}">
+        <p14:creationId xmlns:p14="http://schemas.microsoft.com/office/powerpoint/2010/main" val="205527837"/>
+      </p:ext>
+    </p:extLst>
+  </p:cSld>
+  <p:clrMapOvr>
+    <a:masterClrMapping/>
+  </p:clrMapOvr>
+  <mc:AlternateContent xmlns:mc="http://schemas.openxmlformats.org/markup-compatibility/2006" xmlns:p14="http://schemas.microsoft.com/office/powerpoint/2010/main">
+    <mc:Choice Requires="p14">
+      <p:transition p14:dur="0"/>
+    </mc:Choice>
+    <mc:Fallback xmlns="">
+      <p:transition/>
+    </mc:Fallback>
+  </mc:AlternateContent>
+  <p:timing>
+    <p:tnLst>
+      <p:par>
+        <p:cTn id="1" dur="indefinite" restart="never" nodeType="tmRoot"/>
+      </p:par>
+    </p:tnLst>
+  </p:timing>
+</p:sld>
+</file>
+
+<file path=ppt/slides/slide12.xml><?xml version="1.0" encoding="utf-8"?>
+<p:sld xmlns:a="http://schemas.openxmlformats.org/drawingml/2006/main" xmlns:r="http://schemas.openxmlformats.org/officeDocument/2006/relationships" xmlns:p="http://schemas.openxmlformats.org/presentationml/2006/main">
+  <p:cSld>
+    <p:spTree>
+      <p:nvGrpSpPr>
+        <p:cNvPr id="1" name=""/>
+        <p:cNvGrpSpPr/>
+        <p:nvPr/>
+      </p:nvGrpSpPr>
+      <p:grpSpPr>
+        <a:xfrm>
+          <a:off x="0" y="0"/>
+          <a:ext cx="0" cy="0"/>
+          <a:chOff x="0" y="0"/>
+          <a:chExt cx="0" cy="0"/>
+        </a:xfrm>
+      </p:grpSpPr>
+      <p:sp>
+        <p:nvSpPr>
+          <p:cNvPr id="2" name="Title 1"/>
+          <p:cNvSpPr>
+            <a:spLocks noGrp="1"/>
+          </p:cNvSpPr>
+          <p:nvPr>
+            <p:ph type="title"/>
+          </p:nvPr>
+        </p:nvSpPr>
+        <p:spPr/>
+        <p:txBody>
+          <a:bodyPr/>
+          <a:lstStyle/>
+          <a:p>
+            <a:r>
+              <a:rPr lang="pl-PL" dirty="0" smtClean="0"/>
+              <a:t>Możliwe zmiany</a:t>
+            </a:r>
+            <a:endParaRPr lang="pl-PL" dirty="0"/>
+          </a:p>
+        </p:txBody>
+      </p:sp>
+      <p:sp>
+        <p:nvSpPr>
+          <p:cNvPr id="3" name="Content Placeholder 2"/>
+          <p:cNvSpPr>
+            <a:spLocks noGrp="1"/>
+          </p:cNvSpPr>
+          <p:nvPr>
+            <p:ph idx="1"/>
+          </p:nvPr>
+        </p:nvSpPr>
+        <p:spPr/>
+        <p:txBody>
+          <a:bodyPr/>
+          <a:lstStyle/>
+          <a:p>
+            <a:r>
+              <a:rPr lang="pl-PL" dirty="0" smtClean="0"/>
+              <a:t>Ściąganie danych na bieżąco, najlepiej z bazy danych (</a:t>
+            </a:r>
+            <a:r>
+              <a:rPr lang="pl-PL" dirty="0" err="1" smtClean="0"/>
+              <a:t>parsowanie</a:t>
+            </a:r>
+            <a:r>
+              <a:rPr lang="pl-PL" dirty="0" smtClean="0"/>
+              <a:t> strony mało wydajne)</a:t>
+            </a:r>
+          </a:p>
+          <a:p>
+            <a:r>
+              <a:rPr lang="pl-PL" dirty="0" smtClean="0"/>
+              <a:t>Rozszerzenie listy parametrów (muszą dać się zapisać liczbowo i rzutować na przedział 0-1)</a:t>
+            </a:r>
+          </a:p>
+          <a:p>
+            <a:r>
+              <a:rPr lang="pl-PL" dirty="0" smtClean="0"/>
+              <a:t>Zmiana funkcji odległości, dodanie wag lub minimalizacja parametru</a:t>
+            </a:r>
+            <a:endParaRPr lang="pl-PL" dirty="0"/>
+          </a:p>
+        </p:txBody>
+      </p:sp>
+    </p:spTree>
+    <p:extLst>
+      <p:ext uri="{BB962C8B-B14F-4D97-AF65-F5344CB8AC3E}">
+        <p14:creationId xmlns:p14="http://schemas.microsoft.com/office/powerpoint/2010/main" val="1596968213"/>
+      </p:ext>
+    </p:extLst>
+  </p:cSld>
+  <p:clrMapOvr>
+    <a:masterClrMapping/>
+  </p:clrMapOvr>
+  <mc:AlternateContent xmlns:mc="http://schemas.openxmlformats.org/markup-compatibility/2006" xmlns:p14="http://schemas.microsoft.com/office/powerpoint/2010/main">
+    <mc:Choice Requires="p14">
+      <p:transition p14:dur="0"/>
+    </mc:Choice>
+    <mc:Fallback xmlns="">
+      <p:transition/>
+    </mc:Fallback>
+  </mc:AlternateContent>
+  <p:timing>
+    <p:tnLst>
+      <p:par>
+        <p:cTn id="1" dur="indefinite" restart="never" nodeType="tmRoot"/>
+      </p:par>
+    </p:tnLst>
+  </p:timing>
+</p:sld>
+</file>
+
+<file path=ppt/slides/slide13.xml><?xml version="1.0" encoding="utf-8"?>
+<p:sld xmlns:a="http://schemas.openxmlformats.org/drawingml/2006/main" xmlns:r="http://schemas.openxmlformats.org/officeDocument/2006/relationships" xmlns:p="http://schemas.openxmlformats.org/presentationml/2006/main">
+  <p:cSld>
+    <p:spTree>
+      <p:nvGrpSpPr>
+        <p:cNvPr id="1" name=""/>
+        <p:cNvGrpSpPr/>
+        <p:nvPr/>
+      </p:nvGrpSpPr>
+      <p:grpSpPr>
+        <a:xfrm>
+          <a:off x="0" y="0"/>
+          <a:ext cx="0" cy="0"/>
+          <a:chOff x="0" y="0"/>
+          <a:chExt cx="0" cy="0"/>
+        </a:xfrm>
+      </p:grpSpPr>
+      <p:sp>
+        <p:nvSpPr>
+          <p:cNvPr id="2" name="Title 1"/>
+          <p:cNvSpPr>
+            <a:spLocks noGrp="1"/>
+          </p:cNvSpPr>
+          <p:nvPr>
+            <p:ph type="title"/>
+          </p:nvPr>
+        </p:nvSpPr>
+        <p:spPr/>
+        <p:txBody>
+          <a:bodyPr/>
+          <a:lstStyle/>
+          <a:p>
+            <a:endParaRPr lang="pl-PL"/>
+          </a:p>
+        </p:txBody>
+      </p:sp>
+      <p:sp>
+        <p:nvSpPr>
+          <p:cNvPr id="3" name="Content Placeholder 2"/>
+          <p:cNvSpPr>
+            <a:spLocks noGrp="1"/>
+          </p:cNvSpPr>
+          <p:nvPr>
+            <p:ph idx="1"/>
+          </p:nvPr>
+        </p:nvSpPr>
+        <p:spPr/>
+        <p:txBody>
+          <a:bodyPr/>
+          <a:lstStyle/>
+          <a:p>
+            <a:pPr marL="0" indent="0" algn="ctr">
+              <a:buNone/>
+            </a:pPr>
+            <a:endParaRPr lang="pl-PL" dirty="0" smtClean="0"/>
+          </a:p>
+          <a:p>
+            <a:pPr marL="0" indent="0" algn="ctr">
+              <a:buNone/>
+            </a:pPr>
+            <a:endParaRPr lang="pl-PL" dirty="0"/>
+          </a:p>
+          <a:p>
+            <a:pPr marL="0" indent="0" algn="ctr">
+              <a:buNone/>
+            </a:pPr>
+            <a:endParaRPr lang="pl-PL" dirty="0" smtClean="0"/>
+          </a:p>
+          <a:p>
+            <a:pPr marL="0" indent="0" algn="ctr">
+              <a:buNone/>
+            </a:pPr>
+            <a:r>
+              <a:rPr lang="pl-PL" dirty="0" smtClean="0"/>
+              <a:t>Dziękujemy za uwagę</a:t>
+            </a:r>
+            <a:endParaRPr lang="pl-PL" dirty="0"/>
+          </a:p>
+        </p:txBody>
+      </p:sp>
+    </p:spTree>
+    <p:extLst>
+      <p:ext uri="{BB962C8B-B14F-4D97-AF65-F5344CB8AC3E}">
+        <p14:creationId xmlns:p14="http://schemas.microsoft.com/office/powerpoint/2010/main" val="1600924840"/>
+      </p:ext>
+    </p:extLst>
+  </p:cSld>
+  <p:clrMapOvr>
+    <a:masterClrMapping/>
+  </p:clrMapOvr>
+  <mc:AlternateContent xmlns:mc="http://schemas.openxmlformats.org/markup-compatibility/2006" xmlns:p14="http://schemas.microsoft.com/office/powerpoint/2010/main">
+    <mc:Choice Requires="p14">
+      <p:transition p14:dur="0"/>
+    </mc:Choice>
+    <mc:Fallback xmlns="">
+      <p:transition/>
+    </mc:Fallback>
+  </mc:AlternateContent>
   <p:timing>
     <p:tnLst>
       <p:par>
@@ -2754,9 +3174,18 @@
               <a:buAutoNum type="arabicPeriod"/>
             </a:pPr>
             <a:r>
-              <a:rPr lang="pl-PL" dirty="0" smtClean="0"/>
-              <a:t>Jak działa sieć SOM?</a:t>
-            </a:r>
+              <a:rPr lang="pl-PL" dirty="0"/>
+              <a:t>S</a:t>
+            </a:r>
+            <a:r>
+              <a:rPr lang="pl-PL" dirty="0" smtClean="0"/>
+              <a:t>ieć </a:t>
+            </a:r>
+            <a:r>
+              <a:rPr lang="pl-PL" dirty="0" smtClean="0"/>
+              <a:t>SOM.</a:t>
+            </a:r>
+            <a:endParaRPr lang="pl-PL" dirty="0" smtClean="0"/>
           </a:p>
           <a:p>
             <a:pPr marL="514350" indent="-514350">
@@ -2776,6 +3205,16 @@
             <a:r>
               <a:rPr lang="pl-PL" dirty="0" smtClean="0"/>
               <a:t>Prezentacja programu.</a:t>
+            </a:r>
+          </a:p>
+          <a:p>
+            <a:pPr marL="514350" indent="-514350">
+              <a:buFont typeface="+mj-lt"/>
+              <a:buAutoNum type="arabicPeriod"/>
+            </a:pPr>
+            <a:r>
+              <a:rPr lang="pl-PL" dirty="0" smtClean="0"/>
+              <a:t>Możliwe zmiany.</a:t>
             </a:r>
             <a:endParaRPr lang="pl-PL" dirty="0"/>
           </a:p>
@@ -2796,9 +3235,14 @@
   <p:clrMapOvr>
     <a:masterClrMapping/>
   </p:clrMapOvr>
-  <p:transition>
-    <p:randomBar/>
-  </p:transition>
+  <mc:AlternateContent xmlns:mc="http://schemas.openxmlformats.org/markup-compatibility/2006" xmlns:p14="http://schemas.microsoft.com/office/powerpoint/2010/main">
+    <mc:Choice Requires="p14">
+      <p:transition p14:dur="0"/>
+    </mc:Choice>
+    <mc:Fallback xmlns="">
+      <p:transition/>
+    </mc:Fallback>
+  </mc:AlternateContent>
   <p:timing>
     <p:tnLst>
       <p:par>
@@ -2841,7 +3285,10 @@
           <a:bodyPr/>
           <a:lstStyle/>
           <a:p>
-            <a:endParaRPr lang="pl-PL" dirty="0"/>
+            <a:r>
+              <a:rPr lang="pl-PL" dirty="0"/>
+              <a:t>Opis problemu</a:t>
+            </a:r>
           </a:p>
         </p:txBody>
       </p:sp>
@@ -2855,29 +3302,55 @@
             <p:ph idx="1"/>
           </p:nvPr>
         </p:nvSpPr>
-        <p:spPr/>
+        <p:spPr>
+          <a:xfrm>
+            <a:off x="611188" y="1772816"/>
+            <a:ext cx="8424862" cy="4860925"/>
+          </a:xfrm>
+        </p:spPr>
         <p:txBody>
           <a:bodyPr/>
           <a:lstStyle/>
           <a:p>
-            <a:pPr algn="ctr"/>
-            <a:endParaRPr lang="pl-PL" dirty="0" smtClean="0"/>
-          </a:p>
-          <a:p>
-            <a:pPr algn="ctr"/>
-            <a:endParaRPr lang="pl-PL" dirty="0"/>
-          </a:p>
-          <a:p>
-            <a:pPr algn="ctr"/>
-            <a:endParaRPr lang="pl-PL" dirty="0" smtClean="0"/>
-          </a:p>
-          <a:p>
-            <a:pPr marL="0" indent="0" algn="ctr">
+            <a:pPr marL="0" indent="0">
               <a:buNone/>
             </a:pPr>
             <a:r>
               <a:rPr lang="pl-PL" dirty="0" smtClean="0"/>
-              <a:t>Prezentacja programu</a:t>
+              <a:t>Użytkownik:</a:t>
+            </a:r>
+          </a:p>
+          <a:p>
+            <a:r>
+              <a:rPr lang="pl-PL" dirty="0" smtClean="0"/>
+              <a:t>chce kupić samochód jak najlepiej spełniający jego oczekiwania</a:t>
+            </a:r>
+          </a:p>
+          <a:p>
+            <a:r>
+              <a:rPr lang="pl-PL" dirty="0" smtClean="0"/>
+              <a:t>nie ma preferencji wobec marki/modelu</a:t>
+            </a:r>
+          </a:p>
+          <a:p>
+            <a:r>
+              <a:rPr lang="pl-PL" dirty="0" smtClean="0"/>
+              <a:t>wie jakich parametrów i wartości oczekuje</a:t>
+            </a:r>
+          </a:p>
+          <a:p>
+            <a:pPr marL="0" indent="0">
+              <a:buNone/>
+            </a:pPr>
+            <a:r>
+              <a:rPr lang="pl-PL" dirty="0" smtClean="0"/>
+              <a:t>Przyjęte ograniczenie:</a:t>
+            </a:r>
+          </a:p>
+          <a:p>
+            <a:r>
+              <a:rPr lang="pl-PL" dirty="0" smtClean="0"/>
+              <a:t>wartości mniejsze i większe są w równym stopniu złe</a:t>
             </a:r>
             <a:endParaRPr lang="pl-PL" dirty="0"/>
           </a:p>
@@ -2886,16 +3359,28 @@
     </p:spTree>
     <p:extLst>
       <p:ext uri="{BB962C8B-B14F-4D97-AF65-F5344CB8AC3E}">
-        <p14:creationId xmlns:p14="http://schemas.microsoft.com/office/powerpoint/2010/main" val="205527837"/>
+        <p14:creationId xmlns:p14="http://schemas.microsoft.com/office/powerpoint/2010/main" val="3421352636"/>
       </p:ext>
     </p:extLst>
   </p:cSld>
   <p:clrMapOvr>
     <a:masterClrMapping/>
   </p:clrMapOvr>
-  <p:transition>
-    <p:randomBar/>
-  </p:transition>
+  <mc:AlternateContent xmlns:mc="http://schemas.openxmlformats.org/markup-compatibility/2006" xmlns:p14="http://schemas.microsoft.com/office/powerpoint/2010/main">
+    <mc:Choice Requires="p14">
+      <p:transition p14:dur="0"/>
+    </mc:Choice>
+    <mc:Fallback xmlns="">
+      <p:transition/>
+    </mc:Fallback>
+  </mc:AlternateContent>
+  <p:timing>
+    <p:tnLst>
+      <p:par>
+        <p:cTn id="1" dur="indefinite" restart="never" nodeType="tmRoot"/>
+      </p:par>
+    </p:tnLst>
+  </p:timing>
 </p:sld>
 </file>
 
@@ -2931,7 +3416,11 @@
           <a:bodyPr/>
           <a:lstStyle/>
           <a:p>
-            <a:endParaRPr lang="pl-PL"/>
+            <a:r>
+              <a:rPr lang="pl-PL" dirty="0" smtClean="0"/>
+              <a:t>Sposób opisu samochodu</a:t>
+            </a:r>
+            <a:endParaRPr lang="pl-PL" dirty="0"/>
           </a:p>
         </p:txBody>
       </p:sp>
@@ -2950,48 +3439,776 @@
           <a:bodyPr/>
           <a:lstStyle/>
           <a:p>
-            <a:pPr marL="0" indent="0" algn="ctr">
-              <a:buNone/>
-            </a:pPr>
-            <a:endParaRPr lang="pl-PL" dirty="0" smtClean="0"/>
-          </a:p>
-          <a:p>
-            <a:pPr marL="0" indent="0" algn="ctr">
-              <a:buNone/>
-            </a:pPr>
-            <a:endParaRPr lang="pl-PL" dirty="0"/>
-          </a:p>
-          <a:p>
-            <a:pPr marL="0" indent="0" algn="ctr">
-              <a:buNone/>
-            </a:pPr>
-            <a:endParaRPr lang="pl-PL" dirty="0" smtClean="0"/>
-          </a:p>
-          <a:p>
-            <a:pPr marL="0" indent="0" algn="ctr">
-              <a:buNone/>
-            </a:pPr>
-            <a:r>
-              <a:rPr lang="pl-PL" dirty="0" smtClean="0"/>
-              <a:t>Dziękujemy za uwagę</a:t>
-            </a:r>
-            <a:endParaRPr lang="pl-PL" dirty="0"/>
+            <a:r>
+              <a:rPr lang="pl-PL" dirty="0" smtClean="0"/>
+              <a:t>Parametry opisujące samochód są wektorem liczb</a:t>
+            </a:r>
+          </a:p>
+          <a:p>
+            <a:r>
+              <a:rPr lang="pl-PL" dirty="0" smtClean="0"/>
+              <a:t>Liczby te są rzutowane na przedział 0-1</a:t>
+            </a:r>
+          </a:p>
+          <a:p>
+            <a:r>
+              <a:rPr lang="pl-PL" dirty="0" smtClean="0"/>
+              <a:t>Wartości logiczne oznaczone 0/1</a:t>
+            </a:r>
+          </a:p>
+          <a:p>
+            <a:r>
+              <a:rPr lang="pl-PL" dirty="0" smtClean="0"/>
+              <a:t>System przechowuje dodatkowe informacje o marce/modelu samochodu tylko w celu prezentacji wyników</a:t>
+            </a:r>
           </a:p>
         </p:txBody>
       </p:sp>
     </p:spTree>
     <p:extLst>
       <p:ext uri="{BB962C8B-B14F-4D97-AF65-F5344CB8AC3E}">
-        <p14:creationId xmlns:p14="http://schemas.microsoft.com/office/powerpoint/2010/main" val="1600924840"/>
+        <p14:creationId xmlns:p14="http://schemas.microsoft.com/office/powerpoint/2010/main" val="1213658717"/>
       </p:ext>
     </p:extLst>
   </p:cSld>
   <p:clrMapOvr>
     <a:masterClrMapping/>
   </p:clrMapOvr>
-  <p:transition>
-    <p:randomBar/>
-  </p:transition>
+  <mc:AlternateContent xmlns:mc="http://schemas.openxmlformats.org/markup-compatibility/2006" xmlns:p14="http://schemas.microsoft.com/office/powerpoint/2010/main">
+    <mc:Choice Requires="p14">
+      <p:transition p14:dur="0"/>
+    </mc:Choice>
+    <mc:Fallback xmlns="">
+      <p:transition/>
+    </mc:Fallback>
+  </mc:AlternateContent>
+  <p:timing>
+    <p:tnLst>
+      <p:par>
+        <p:cTn id="1" dur="indefinite" restart="never" nodeType="tmRoot"/>
+      </p:par>
+    </p:tnLst>
+  </p:timing>
+</p:sld>
+</file>
+
+<file path=ppt/slides/slide5.xml><?xml version="1.0" encoding="utf-8"?>
+<p:sld xmlns:a="http://schemas.openxmlformats.org/drawingml/2006/main" xmlns:r="http://schemas.openxmlformats.org/officeDocument/2006/relationships" xmlns:p="http://schemas.openxmlformats.org/presentationml/2006/main">
+  <p:cSld>
+    <p:spTree>
+      <p:nvGrpSpPr>
+        <p:cNvPr id="1" name=""/>
+        <p:cNvGrpSpPr/>
+        <p:nvPr/>
+      </p:nvGrpSpPr>
+      <p:grpSpPr>
+        <a:xfrm>
+          <a:off x="0" y="0"/>
+          <a:ext cx="0" cy="0"/>
+          <a:chOff x="0" y="0"/>
+          <a:chExt cx="0" cy="0"/>
+        </a:xfrm>
+      </p:grpSpPr>
+      <p:sp>
+        <p:nvSpPr>
+          <p:cNvPr id="2" name="Title 1"/>
+          <p:cNvSpPr>
+            <a:spLocks noGrp="1"/>
+          </p:cNvSpPr>
+          <p:nvPr>
+            <p:ph type="title"/>
+          </p:nvPr>
+        </p:nvSpPr>
+        <p:spPr/>
+        <p:txBody>
+          <a:bodyPr/>
+          <a:lstStyle/>
+          <a:p>
+            <a:r>
+              <a:rPr lang="pl-PL" dirty="0" smtClean="0"/>
+              <a:t>Sposób opisu samochodu</a:t>
+            </a:r>
+            <a:endParaRPr lang="pl-PL" dirty="0"/>
+          </a:p>
+        </p:txBody>
+      </p:sp>
+      <p:sp>
+        <p:nvSpPr>
+          <p:cNvPr id="3" name="Content Placeholder 2"/>
+          <p:cNvSpPr>
+            <a:spLocks noGrp="1"/>
+          </p:cNvSpPr>
+          <p:nvPr>
+            <p:ph idx="1"/>
+          </p:nvPr>
+        </p:nvSpPr>
+        <p:spPr/>
+        <p:txBody>
+          <a:bodyPr/>
+          <a:lstStyle/>
+          <a:p>
+            <a:pPr marL="0" indent="0">
+              <a:buNone/>
+            </a:pPr>
+            <a:r>
+              <a:rPr lang="pl-PL" dirty="0" smtClean="0"/>
+              <a:t>Wybrane parametry - baza danych samochodów w pliku tekstowym w postaci:</a:t>
+            </a:r>
+          </a:p>
+          <a:p>
+            <a:pPr marL="0" indent="0">
+              <a:buNone/>
+            </a:pPr>
+            <a:endParaRPr lang="pl-PL" dirty="0" smtClean="0"/>
+          </a:p>
+          <a:p>
+            <a:pPr marL="0" indent="0">
+              <a:buNone/>
+            </a:pPr>
+            <a:r>
+              <a:rPr lang="pl-PL" dirty="0"/>
+              <a:t>Marka</a:t>
+            </a:r>
+            <a:r>
+              <a:rPr lang="pl-PL" dirty="0" smtClean="0"/>
+              <a:t>; Model; Cena; Rok produkcji; Przebieg; Skrzynia(czy automatyczna); Moc; </a:t>
+            </a:r>
+            <a:r>
+              <a:rPr lang="pl-PL" dirty="0" err="1" smtClean="0"/>
+              <a:t>Pojemnosc</a:t>
+            </a:r>
+            <a:r>
+              <a:rPr lang="pl-PL" dirty="0" smtClean="0"/>
+              <a:t> silnika; Paliwo(czy diesel); Drzwi(czy 4-drzwiowy); dodatki(ABS, klimatyzacja, centralny zamek itd.);</a:t>
+            </a:r>
+            <a:endParaRPr lang="pl-PL" dirty="0"/>
+          </a:p>
+          <a:p>
+            <a:pPr marL="0" indent="0">
+              <a:buNone/>
+            </a:pPr>
+            <a:endParaRPr lang="pl-PL" dirty="0"/>
+          </a:p>
+        </p:txBody>
+      </p:sp>
+    </p:spTree>
+    <p:extLst>
+      <p:ext uri="{BB962C8B-B14F-4D97-AF65-F5344CB8AC3E}">
+        <p14:creationId xmlns:p14="http://schemas.microsoft.com/office/powerpoint/2010/main" val="2934458789"/>
+      </p:ext>
+    </p:extLst>
+  </p:cSld>
+  <p:clrMapOvr>
+    <a:masterClrMapping/>
+  </p:clrMapOvr>
+  <mc:AlternateContent xmlns:mc="http://schemas.openxmlformats.org/markup-compatibility/2006" xmlns:p14="http://schemas.microsoft.com/office/powerpoint/2010/main">
+    <mc:Choice Requires="p14">
+      <p:transition p14:dur="0"/>
+    </mc:Choice>
+    <mc:Fallback xmlns="">
+      <p:transition/>
+    </mc:Fallback>
+  </mc:AlternateContent>
+  <p:timing>
+    <p:tnLst>
+      <p:par>
+        <p:cTn id="1" dur="indefinite" restart="never" nodeType="tmRoot"/>
+      </p:par>
+    </p:tnLst>
+  </p:timing>
+</p:sld>
+</file>
+
+<file path=ppt/slides/slide6.xml><?xml version="1.0" encoding="utf-8"?>
+<p:sld xmlns:a="http://schemas.openxmlformats.org/drawingml/2006/main" xmlns:r="http://schemas.openxmlformats.org/officeDocument/2006/relationships" xmlns:p="http://schemas.openxmlformats.org/presentationml/2006/main">
+  <p:cSld>
+    <p:spTree>
+      <p:nvGrpSpPr>
+        <p:cNvPr id="1" name=""/>
+        <p:cNvGrpSpPr/>
+        <p:nvPr/>
+      </p:nvGrpSpPr>
+      <p:grpSpPr>
+        <a:xfrm>
+          <a:off x="0" y="0"/>
+          <a:ext cx="0" cy="0"/>
+          <a:chOff x="0" y="0"/>
+          <a:chExt cx="0" cy="0"/>
+        </a:xfrm>
+      </p:grpSpPr>
+      <p:sp>
+        <p:nvSpPr>
+          <p:cNvPr id="2" name="Title 1"/>
+          <p:cNvSpPr>
+            <a:spLocks noGrp="1"/>
+          </p:cNvSpPr>
+          <p:nvPr>
+            <p:ph type="title"/>
+          </p:nvPr>
+        </p:nvSpPr>
+        <p:spPr/>
+        <p:txBody>
+          <a:bodyPr/>
+          <a:lstStyle/>
+          <a:p>
+            <a:r>
+              <a:rPr lang="pl-PL" dirty="0" smtClean="0"/>
+              <a:t>Sieć SOM</a:t>
+            </a:r>
+            <a:endParaRPr lang="pl-PL" dirty="0"/>
+          </a:p>
+        </p:txBody>
+      </p:sp>
+      <p:sp>
+        <p:nvSpPr>
+          <p:cNvPr id="3" name="Content Placeholder 2"/>
+          <p:cNvSpPr>
+            <a:spLocks noGrp="1"/>
+          </p:cNvSpPr>
+          <p:nvPr>
+            <p:ph idx="1"/>
+          </p:nvPr>
+        </p:nvSpPr>
+        <p:spPr>
+          <a:xfrm>
+            <a:off x="611188" y="1772816"/>
+            <a:ext cx="8424862" cy="4860925"/>
+          </a:xfrm>
+        </p:spPr>
+        <p:txBody>
+          <a:bodyPr/>
+          <a:lstStyle/>
+          <a:p>
+            <a:pPr marL="0" indent="0">
+              <a:buNone/>
+            </a:pPr>
+            <a:r>
+              <a:rPr lang="pl-PL" dirty="0" smtClean="0"/>
+              <a:t>SOM - </a:t>
+            </a:r>
+            <a:r>
+              <a:rPr lang="pl-PL" dirty="0" err="1" smtClean="0"/>
+              <a:t>Self-Organizing</a:t>
+            </a:r>
+            <a:r>
+              <a:rPr lang="pl-PL" dirty="0" smtClean="0"/>
+              <a:t> Map, sieć </a:t>
+            </a:r>
+            <a:r>
+              <a:rPr lang="pl-PL" dirty="0" err="1" smtClean="0"/>
+              <a:t>Kohonena</a:t>
+            </a:r>
+            <a:r>
+              <a:rPr lang="pl-PL" dirty="0" smtClean="0"/>
+              <a:t>:</a:t>
+            </a:r>
+          </a:p>
+          <a:p>
+            <a:r>
+              <a:rPr lang="pl-PL" dirty="0" smtClean="0"/>
+              <a:t>Samoorganizująca (z uczeniem konkurencyjnym) – posiada jedynie wzorce wejściowe (parametry samochodów), nie posiada wzorców wyjściowych </a:t>
+            </a:r>
+          </a:p>
+          <a:p>
+            <a:r>
+              <a:rPr lang="pl-PL" dirty="0" smtClean="0"/>
+              <a:t>Dowolny rozmiar i ułożenie neuronów     (w tym przypadku </a:t>
+            </a:r>
+            <a:r>
+              <a:rPr lang="pl-PL" dirty="0" err="1" smtClean="0"/>
+              <a:t>NxN</a:t>
+            </a:r>
+            <a:r>
+              <a:rPr lang="pl-PL" dirty="0" smtClean="0"/>
+              <a:t>)</a:t>
+            </a:r>
+          </a:p>
+          <a:p>
+            <a:r>
+              <a:rPr lang="pl-PL" dirty="0" smtClean="0"/>
+              <a:t>Neurony można opisać za pomocą wektorów wag dla wszystkich wejść</a:t>
+            </a:r>
+            <a:endParaRPr lang="pl-PL" dirty="0"/>
+          </a:p>
+        </p:txBody>
+      </p:sp>
+    </p:spTree>
+    <p:extLst>
+      <p:ext uri="{BB962C8B-B14F-4D97-AF65-F5344CB8AC3E}">
+        <p14:creationId xmlns:p14="http://schemas.microsoft.com/office/powerpoint/2010/main" val="1913186761"/>
+      </p:ext>
+    </p:extLst>
+  </p:cSld>
+  <p:clrMapOvr>
+    <a:masterClrMapping/>
+  </p:clrMapOvr>
+  <mc:AlternateContent xmlns:mc="http://schemas.openxmlformats.org/markup-compatibility/2006" xmlns:p14="http://schemas.microsoft.com/office/powerpoint/2010/main">
+    <mc:Choice Requires="p14">
+      <p:transition p14:dur="0"/>
+    </mc:Choice>
+    <mc:Fallback xmlns="">
+      <p:transition/>
+    </mc:Fallback>
+  </mc:AlternateContent>
+  <p:timing>
+    <p:tnLst>
+      <p:par>
+        <p:cTn id="1" dur="indefinite" restart="never" nodeType="tmRoot"/>
+      </p:par>
+    </p:tnLst>
+  </p:timing>
+</p:sld>
+</file>
+
+<file path=ppt/slides/slide7.xml><?xml version="1.0" encoding="utf-8"?>
+<p:sld xmlns:a="http://schemas.openxmlformats.org/drawingml/2006/main" xmlns:r="http://schemas.openxmlformats.org/officeDocument/2006/relationships" xmlns:p="http://schemas.openxmlformats.org/presentationml/2006/main">
+  <p:cSld>
+    <p:spTree>
+      <p:nvGrpSpPr>
+        <p:cNvPr id="1" name=""/>
+        <p:cNvGrpSpPr/>
+        <p:nvPr/>
+      </p:nvGrpSpPr>
+      <p:grpSpPr>
+        <a:xfrm>
+          <a:off x="0" y="0"/>
+          <a:ext cx="0" cy="0"/>
+          <a:chOff x="0" y="0"/>
+          <a:chExt cx="0" cy="0"/>
+        </a:xfrm>
+      </p:grpSpPr>
+      <p:sp>
+        <p:nvSpPr>
+          <p:cNvPr id="2" name="Title 1"/>
+          <p:cNvSpPr>
+            <a:spLocks noGrp="1"/>
+          </p:cNvSpPr>
+          <p:nvPr>
+            <p:ph type="title"/>
+          </p:nvPr>
+        </p:nvSpPr>
+        <p:spPr/>
+        <p:txBody>
+          <a:bodyPr/>
+          <a:lstStyle/>
+          <a:p>
+            <a:r>
+              <a:rPr lang="pl-PL" dirty="0" smtClean="0"/>
+              <a:t>Parametry sieci</a:t>
+            </a:r>
+            <a:endParaRPr lang="pl-PL" dirty="0"/>
+          </a:p>
+        </p:txBody>
+      </p:sp>
+      <p:sp>
+        <p:nvSpPr>
+          <p:cNvPr id="3" name="Content Placeholder 2"/>
+          <p:cNvSpPr>
+            <a:spLocks noGrp="1"/>
+          </p:cNvSpPr>
+          <p:nvPr>
+            <p:ph idx="1"/>
+          </p:nvPr>
+        </p:nvSpPr>
+        <p:spPr>
+          <a:xfrm>
+            <a:off x="611188" y="1772816"/>
+            <a:ext cx="8424862" cy="5085184"/>
+          </a:xfrm>
+        </p:spPr>
+        <p:txBody>
+          <a:bodyPr/>
+          <a:lstStyle/>
+          <a:p>
+            <a:pPr marL="0" indent="0">
+              <a:buNone/>
+            </a:pPr>
+            <a:r>
+              <a:rPr lang="pl-PL" dirty="0" smtClean="0"/>
+              <a:t>Parametry:</a:t>
+            </a:r>
+          </a:p>
+          <a:p>
+            <a:r>
+              <a:rPr lang="pl-PL" dirty="0" smtClean="0"/>
+              <a:t>u – parametr uczenia sieci (0-1)</a:t>
+            </a:r>
+          </a:p>
+          <a:p>
+            <a:r>
+              <a:rPr lang="pl-PL" dirty="0" smtClean="0"/>
+              <a:t>l – maksymalna promień uczenia</a:t>
+            </a:r>
+          </a:p>
+          <a:p>
+            <a:pPr marL="0" indent="0">
+              <a:buNone/>
+            </a:pPr>
+            <a:r>
+              <a:rPr lang="pl-PL" dirty="0" smtClean="0"/>
+              <a:t>Funkcje:</a:t>
+            </a:r>
+          </a:p>
+          <a:p>
+            <a:r>
+              <a:rPr lang="pl-PL" dirty="0" smtClean="0"/>
+              <a:t>d(v1,v2) – funkcja odległości między wektorami lub neuronami (Euklidesowa)</a:t>
+            </a:r>
+          </a:p>
+          <a:p>
+            <a:r>
+              <a:rPr lang="pl-PL" dirty="0" smtClean="0"/>
+              <a:t>G(n1,n2) – funkcja sąsiedztwa między neuronami (Gaussa lub prostokątna)</a:t>
+            </a:r>
+          </a:p>
+          <a:p>
+            <a:pPr marL="0" indent="0">
+              <a:buNone/>
+            </a:pPr>
+            <a:r>
+              <a:rPr lang="pl-PL" dirty="0" smtClean="0"/>
+              <a:t>Początkowe wagi znormalizowane (losowe)</a:t>
+            </a:r>
+            <a:endParaRPr lang="pl-PL" dirty="0"/>
+          </a:p>
+        </p:txBody>
+      </p:sp>
+    </p:spTree>
+    <p:extLst>
+      <p:ext uri="{BB962C8B-B14F-4D97-AF65-F5344CB8AC3E}">
+        <p14:creationId xmlns:p14="http://schemas.microsoft.com/office/powerpoint/2010/main" val="2956544024"/>
+      </p:ext>
+    </p:extLst>
+  </p:cSld>
+  <p:clrMapOvr>
+    <a:masterClrMapping/>
+  </p:clrMapOvr>
+  <mc:AlternateContent xmlns:mc="http://schemas.openxmlformats.org/markup-compatibility/2006" xmlns:p14="http://schemas.microsoft.com/office/powerpoint/2010/main">
+    <mc:Choice Requires="p14">
+      <p:transition p14:dur="0"/>
+    </mc:Choice>
+    <mc:Fallback xmlns="">
+      <p:transition/>
+    </mc:Fallback>
+  </mc:AlternateContent>
+  <p:timing>
+    <p:tnLst>
+      <p:par>
+        <p:cTn id="1" dur="indefinite" restart="never" nodeType="tmRoot"/>
+      </p:par>
+    </p:tnLst>
+  </p:timing>
+</p:sld>
+</file>
+
+<file path=ppt/slides/slide8.xml><?xml version="1.0" encoding="utf-8"?>
+<p:sld xmlns:a="http://schemas.openxmlformats.org/drawingml/2006/main" xmlns:r="http://schemas.openxmlformats.org/officeDocument/2006/relationships" xmlns:p="http://schemas.openxmlformats.org/presentationml/2006/main">
+  <p:cSld>
+    <p:spTree>
+      <p:nvGrpSpPr>
+        <p:cNvPr id="1" name=""/>
+        <p:cNvGrpSpPr/>
+        <p:nvPr/>
+      </p:nvGrpSpPr>
+      <p:grpSpPr>
+        <a:xfrm>
+          <a:off x="0" y="0"/>
+          <a:ext cx="0" cy="0"/>
+          <a:chOff x="0" y="0"/>
+          <a:chExt cx="0" cy="0"/>
+        </a:xfrm>
+      </p:grpSpPr>
+      <p:sp>
+        <p:nvSpPr>
+          <p:cNvPr id="2" name="Title 1"/>
+          <p:cNvSpPr>
+            <a:spLocks noGrp="1"/>
+          </p:cNvSpPr>
+          <p:nvPr>
+            <p:ph type="title"/>
+          </p:nvPr>
+        </p:nvSpPr>
+        <p:spPr/>
+        <p:txBody>
+          <a:bodyPr/>
+          <a:lstStyle/>
+          <a:p>
+            <a:r>
+              <a:rPr lang="pl-PL" dirty="0" smtClean="0"/>
+              <a:t>Architektura sieci</a:t>
+            </a:r>
+            <a:endParaRPr lang="pl-PL" dirty="0"/>
+          </a:p>
+        </p:txBody>
+      </p:sp>
+      <p:pic>
+        <p:nvPicPr>
+          <p:cNvPr id="4" name="Content Placeholder 3"/>
+          <p:cNvPicPr>
+            <a:picLocks noGrp="1" noChangeAspect="1"/>
+          </p:cNvPicPr>
+          <p:nvPr>
+            <p:ph idx="1"/>
+          </p:nvPr>
+        </p:nvPicPr>
+        <p:blipFill>
+          <a:blip r:embed="rId2">
+            <a:extLst>
+              <a:ext uri="{28A0092B-C50C-407E-A947-70E740481C1C}">
+                <a14:useLocalDpi xmlns:a14="http://schemas.microsoft.com/office/drawing/2010/main" val="0"/>
+              </a:ext>
+            </a:extLst>
+          </a:blip>
+          <a:stretch>
+            <a:fillRect/>
+          </a:stretch>
+        </p:blipFill>
+        <p:spPr>
+          <a:xfrm>
+            <a:off x="2340391" y="1412776"/>
+            <a:ext cx="4945674" cy="4216504"/>
+          </a:xfrm>
+        </p:spPr>
+      </p:pic>
+      <p:sp>
+        <p:nvSpPr>
+          <p:cNvPr id="5" name="TextBox 4"/>
+          <p:cNvSpPr txBox="1"/>
+          <p:nvPr/>
+        </p:nvSpPr>
+        <p:spPr>
+          <a:xfrm>
+            <a:off x="539552" y="5638388"/>
+            <a:ext cx="8424936" cy="1077218"/>
+          </a:xfrm>
+          <a:prstGeom prst="rect">
+            <a:avLst/>
+          </a:prstGeom>
+          <a:noFill/>
+        </p:spPr>
+        <p:txBody>
+          <a:bodyPr wrap="square" rtlCol="0">
+            <a:spAutoFit/>
+          </a:bodyPr>
+          <a:lstStyle/>
+          <a:p>
+            <a:pPr algn="ctr"/>
+            <a:r>
+              <a:rPr lang="pl-PL" sz="3200" dirty="0" err="1" smtClean="0">
+                <a:latin typeface="+mn-lt"/>
+              </a:rPr>
+              <a:t>y</a:t>
+            </a:r>
+            <a:r>
+              <a:rPr lang="pl-PL" sz="3200" baseline="-25000" dirty="0" err="1" smtClean="0">
+                <a:latin typeface="+mn-lt"/>
+              </a:rPr>
+              <a:t>i</a:t>
+            </a:r>
+            <a:r>
+              <a:rPr lang="pl-PL" sz="3200" dirty="0" smtClean="0">
+                <a:latin typeface="+mn-lt"/>
+              </a:rPr>
+              <a:t> = d(</a:t>
+            </a:r>
+            <a:r>
+              <a:rPr lang="pl-PL" sz="3200" dirty="0" err="1" smtClean="0">
+                <a:latin typeface="+mn-lt"/>
+              </a:rPr>
+              <a:t>w</a:t>
+            </a:r>
+            <a:r>
+              <a:rPr lang="pl-PL" sz="3200" baseline="-25000" dirty="0" err="1" smtClean="0">
+                <a:latin typeface="+mn-lt"/>
+              </a:rPr>
+              <a:t>i</a:t>
+            </a:r>
+            <a:r>
+              <a:rPr lang="pl-PL" sz="3200" dirty="0" err="1" smtClean="0">
+                <a:latin typeface="+mn-lt"/>
+              </a:rPr>
+              <a:t>,x</a:t>
+            </a:r>
+            <a:r>
+              <a:rPr lang="pl-PL" sz="3200" dirty="0" smtClean="0">
+                <a:latin typeface="+mn-lt"/>
+              </a:rPr>
+              <a:t>)</a:t>
+            </a:r>
+          </a:p>
+          <a:p>
+            <a:r>
+              <a:rPr lang="pl-PL" sz="3200" dirty="0" err="1"/>
+              <a:t>w</a:t>
+            </a:r>
+            <a:r>
+              <a:rPr lang="pl-PL" sz="3200" baseline="-25000" dirty="0" err="1"/>
+              <a:t>i</a:t>
+            </a:r>
+            <a:r>
+              <a:rPr lang="pl-PL" sz="3200" dirty="0" smtClean="0">
+                <a:latin typeface="+mn-lt"/>
+              </a:rPr>
+              <a:t> – wektor wag i-tego neuronu</a:t>
+            </a:r>
+            <a:endParaRPr lang="pl-PL" sz="3200" dirty="0">
+              <a:latin typeface="+mn-lt"/>
+            </a:endParaRPr>
+          </a:p>
+        </p:txBody>
+      </p:sp>
+    </p:spTree>
+    <p:extLst>
+      <p:ext uri="{BB962C8B-B14F-4D97-AF65-F5344CB8AC3E}">
+        <p14:creationId xmlns:p14="http://schemas.microsoft.com/office/powerpoint/2010/main" val="274488826"/>
+      </p:ext>
+    </p:extLst>
+  </p:cSld>
+  <p:clrMapOvr>
+    <a:masterClrMapping/>
+  </p:clrMapOvr>
+  <mc:AlternateContent xmlns:mc="http://schemas.openxmlformats.org/markup-compatibility/2006" xmlns:p14="http://schemas.microsoft.com/office/powerpoint/2010/main">
+    <mc:Choice Requires="p14">
+      <p:transition p14:dur="10"/>
+    </mc:Choice>
+    <mc:Fallback xmlns="">
+      <p:transition/>
+    </mc:Fallback>
+  </mc:AlternateContent>
+  <p:timing>
+    <p:tnLst>
+      <p:par>
+        <p:cTn id="1" dur="indefinite" restart="never" nodeType="tmRoot"/>
+      </p:par>
+    </p:tnLst>
+  </p:timing>
+</p:sld>
+</file>
+
+<file path=ppt/slides/slide9.xml><?xml version="1.0" encoding="utf-8"?>
+<p:sld xmlns:a="http://schemas.openxmlformats.org/drawingml/2006/main" xmlns:r="http://schemas.openxmlformats.org/officeDocument/2006/relationships" xmlns:p="http://schemas.openxmlformats.org/presentationml/2006/main">
+  <p:cSld>
+    <p:spTree>
+      <p:nvGrpSpPr>
+        <p:cNvPr id="1" name=""/>
+        <p:cNvGrpSpPr/>
+        <p:nvPr/>
+      </p:nvGrpSpPr>
+      <p:grpSpPr>
+        <a:xfrm>
+          <a:off x="0" y="0"/>
+          <a:ext cx="0" cy="0"/>
+          <a:chOff x="0" y="0"/>
+          <a:chExt cx="0" cy="0"/>
+        </a:xfrm>
+      </p:grpSpPr>
+      <p:sp>
+        <p:nvSpPr>
+          <p:cNvPr id="2" name="Title 1"/>
+          <p:cNvSpPr>
+            <a:spLocks noGrp="1"/>
+          </p:cNvSpPr>
+          <p:nvPr>
+            <p:ph type="title"/>
+          </p:nvPr>
+        </p:nvSpPr>
+        <p:spPr/>
+        <p:txBody>
+          <a:bodyPr/>
+          <a:lstStyle/>
+          <a:p>
+            <a:r>
+              <a:rPr lang="pl-PL" dirty="0" smtClean="0"/>
+              <a:t>Proces uczenia</a:t>
+            </a:r>
+            <a:endParaRPr lang="pl-PL" dirty="0"/>
+          </a:p>
+        </p:txBody>
+      </p:sp>
+      <p:sp>
+        <p:nvSpPr>
+          <p:cNvPr id="3" name="Content Placeholder 2"/>
+          <p:cNvSpPr>
+            <a:spLocks noGrp="1"/>
+          </p:cNvSpPr>
+          <p:nvPr>
+            <p:ph idx="1"/>
+          </p:nvPr>
+        </p:nvSpPr>
+        <p:spPr>
+          <a:xfrm>
+            <a:off x="611188" y="2996952"/>
+            <a:ext cx="8532812" cy="3745161"/>
+          </a:xfrm>
+        </p:spPr>
+        <p:txBody>
+          <a:bodyPr/>
+          <a:lstStyle/>
+          <a:p>
+            <a:r>
+              <a:rPr lang="pl-PL" dirty="0" smtClean="0"/>
+              <a:t>Wiele iteracji</a:t>
+            </a:r>
+          </a:p>
+          <a:p>
+            <a:r>
+              <a:rPr lang="pl-PL" dirty="0" smtClean="0"/>
+              <a:t>Parametry u i l zmniejszają się</a:t>
+            </a:r>
+          </a:p>
+          <a:p>
+            <a:r>
+              <a:rPr lang="pl-PL" dirty="0" smtClean="0"/>
+              <a:t>W każdej iteracji zbiór wejściowy mieszany</a:t>
+            </a:r>
+          </a:p>
+          <a:p>
+            <a:r>
+              <a:rPr lang="pl-PL" dirty="0" smtClean="0"/>
+              <a:t>Wektor wejściowy </a:t>
+            </a:r>
+            <a:r>
+              <a:rPr lang="pl-PL" dirty="0" smtClean="0"/>
+              <a:t>(x) normalizowany</a:t>
+            </a:r>
+            <a:endParaRPr lang="pl-PL" dirty="0" smtClean="0"/>
+          </a:p>
+          <a:p>
+            <a:pPr marL="0" indent="0">
+              <a:buNone/>
+            </a:pPr>
+            <a:endParaRPr lang="pl-PL" dirty="0" smtClean="0"/>
+          </a:p>
+          <a:p>
+            <a:endParaRPr lang="pl-PL" dirty="0"/>
+          </a:p>
+        </p:txBody>
+      </p:sp>
+    </p:spTree>
+    <p:extLst>
+      <p:ext uri="{BB962C8B-B14F-4D97-AF65-F5344CB8AC3E}">
+        <p14:creationId xmlns:p14="http://schemas.microsoft.com/office/powerpoint/2010/main" val="4033920909"/>
+      </p:ext>
+    </p:extLst>
+  </p:cSld>
+  <p:clrMapOvr>
+    <a:masterClrMapping/>
+  </p:clrMapOvr>
+  <mc:AlternateContent xmlns:mc="http://schemas.openxmlformats.org/markup-compatibility/2006">
+    <mc:Choice xmlns:p14="http://schemas.microsoft.com/office/powerpoint/2010/main" Requires="p14">
+      <p:transition p14:dur="10"/>
+    </mc:Choice>
+    <mc:Fallback>
+      <p:transition/>
+    </mc:Fallback>
+  </mc:AlternateContent>
+  <p:timing>
+    <p:tnLst>
+      <p:par>
+        <p:cTn id="1" dur="indefinite" restart="never" nodeType="tmRoot"/>
+      </p:par>
+    </p:tnLst>
+  </p:timing>
 </p:sld>
 </file>
 

--- a/Prezentacja.pptx
+++ b/Prezentacja.pptx
@@ -15,9 +15,11 @@
     <p:sldId id="267" r:id="rId9"/>
     <p:sldId id="266" r:id="rId10"/>
     <p:sldId id="268" r:id="rId11"/>
-    <p:sldId id="258" r:id="rId12"/>
-    <p:sldId id="261" r:id="rId13"/>
-    <p:sldId id="259" r:id="rId14"/>
+    <p:sldId id="269" r:id="rId12"/>
+    <p:sldId id="270" r:id="rId13"/>
+    <p:sldId id="258" r:id="rId14"/>
+    <p:sldId id="261" r:id="rId15"/>
+    <p:sldId id="259" r:id="rId16"/>
   </p:sldIdLst>
   <p:sldSz cx="9144000" cy="6858000" type="screen4x3"/>
   <p:notesSz cx="6562725" cy="8686800"/>
@@ -2661,8 +2663,8 @@
               <a:t> </a:t>
             </a:r>
             <a:r>
-              <a:rPr lang="pl-PL" dirty="0" err="1" smtClean="0"/>
-              <a:t>xxxxxx</a:t>
+              <a:rPr lang="pl-PL" dirty="0"/>
+              <a:t>179353</a:t>
             </a:r>
             <a:endParaRPr lang="pl-PL" dirty="0"/>
           </a:p>
@@ -2741,12 +2743,157 @@
             <p:ph idx="1"/>
           </p:nvPr>
         </p:nvSpPr>
-        <p:spPr/>
+        <p:spPr>
+          <a:xfrm>
+            <a:off x="611188" y="1844824"/>
+            <a:ext cx="8532812" cy="4897289"/>
+          </a:xfrm>
+        </p:spPr>
         <p:txBody>
           <a:bodyPr/>
           <a:lstStyle/>
           <a:p>
-            <a:endParaRPr lang="pl-PL"/>
+            <a:pPr marL="0" indent="0">
+              <a:buNone/>
+            </a:pPr>
+            <a:r>
+              <a:rPr lang="pl-PL" dirty="0" smtClean="0"/>
+              <a:t>Dla każdego wektora wejściowego w zbiorze:</a:t>
+            </a:r>
+          </a:p>
+          <a:p>
+            <a:pPr marL="0" indent="0">
+              <a:buNone/>
+            </a:pPr>
+            <a:r>
+              <a:rPr lang="pl-PL" dirty="0" smtClean="0"/>
+              <a:t>Neuron zwycięski (z) to neuron o najniższej wartości d(</a:t>
+            </a:r>
+            <a:r>
+              <a:rPr lang="pl-PL" dirty="0" err="1" smtClean="0"/>
+              <a:t>w</a:t>
+            </a:r>
+            <a:r>
+              <a:rPr lang="pl-PL" baseline="-25000" dirty="0" err="1" smtClean="0"/>
+              <a:t>i</a:t>
+            </a:r>
+            <a:r>
+              <a:rPr lang="pl-PL" dirty="0" err="1" smtClean="0"/>
+              <a:t>,x</a:t>
+            </a:r>
+            <a:r>
+              <a:rPr lang="pl-PL" dirty="0" smtClean="0"/>
+              <a:t>).</a:t>
+            </a:r>
+          </a:p>
+          <a:p>
+            <a:pPr marL="0" indent="0">
+              <a:buNone/>
+            </a:pPr>
+            <a:r>
+              <a:rPr lang="pl-PL" dirty="0" smtClean="0"/>
+              <a:t>Wszystkie neurony spełniające</a:t>
+            </a:r>
+          </a:p>
+          <a:p>
+            <a:pPr marL="0" indent="0" algn="ctr">
+              <a:buNone/>
+            </a:pPr>
+            <a:r>
+              <a:rPr lang="pl-PL" dirty="0" smtClean="0"/>
+              <a:t>d(</a:t>
+            </a:r>
+            <a:r>
+              <a:rPr lang="pl-PL" dirty="0" err="1" smtClean="0"/>
+              <a:t>w</a:t>
+            </a:r>
+            <a:r>
+              <a:rPr lang="pl-PL" baseline="-25000" dirty="0" err="1" smtClean="0"/>
+              <a:t>i</a:t>
+            </a:r>
+            <a:r>
+              <a:rPr lang="pl-PL" dirty="0" err="1" smtClean="0"/>
+              <a:t>,z</a:t>
+            </a:r>
+            <a:r>
+              <a:rPr lang="pl-PL" dirty="0" smtClean="0"/>
+              <a:t>) &lt; l</a:t>
+            </a:r>
+          </a:p>
+          <a:p>
+            <a:pPr marL="0" indent="0">
+              <a:buNone/>
+            </a:pPr>
+            <a:r>
+              <a:rPr lang="pl-PL" dirty="0" smtClean="0"/>
+              <a:t>aktualizują swoje wagi według funkcji:</a:t>
+            </a:r>
+          </a:p>
+          <a:p>
+            <a:pPr marL="0" indent="0" algn="ctr">
+              <a:buNone/>
+            </a:pPr>
+            <a:r>
+              <a:rPr lang="pl-PL" dirty="0" err="1"/>
+              <a:t>w</a:t>
+            </a:r>
+            <a:r>
+              <a:rPr lang="pl-PL" baseline="-25000" dirty="0" err="1"/>
+              <a:t>i</a:t>
+            </a:r>
+            <a:r>
+              <a:rPr lang="pl-PL" dirty="0" smtClean="0"/>
+              <a:t>(t+1) = </a:t>
+            </a:r>
+            <a:r>
+              <a:rPr lang="pl-PL" dirty="0" err="1" smtClean="0"/>
+              <a:t>w</a:t>
+            </a:r>
+            <a:r>
+              <a:rPr lang="pl-PL" baseline="-25000" dirty="0" err="1" smtClean="0"/>
+              <a:t>i</a:t>
+            </a:r>
+            <a:r>
+              <a:rPr lang="pl-PL" dirty="0" smtClean="0"/>
+              <a:t>(t) + </a:t>
+            </a:r>
+            <a:r>
+              <a:rPr lang="pl-PL" dirty="0" err="1" smtClean="0"/>
+              <a:t>uG</a:t>
+            </a:r>
+            <a:r>
+              <a:rPr lang="pl-PL" dirty="0" smtClean="0"/>
+              <a:t>(</a:t>
+            </a:r>
+            <a:r>
+              <a:rPr lang="pl-PL" dirty="0" err="1" smtClean="0"/>
+              <a:t>w</a:t>
+            </a:r>
+            <a:r>
+              <a:rPr lang="pl-PL" baseline="-25000" dirty="0" err="1" smtClean="0"/>
+              <a:t>i</a:t>
+            </a:r>
+            <a:r>
+              <a:rPr lang="pl-PL" dirty="0" err="1" smtClean="0"/>
+              <a:t>,z</a:t>
+            </a:r>
+            <a:r>
+              <a:rPr lang="pl-PL" dirty="0" smtClean="0"/>
+              <a:t>)[x-</a:t>
+            </a:r>
+            <a:r>
+              <a:rPr lang="pl-PL" dirty="0" err="1" smtClean="0"/>
+              <a:t>w</a:t>
+            </a:r>
+            <a:r>
+              <a:rPr lang="pl-PL" baseline="-25000" dirty="0" err="1" smtClean="0"/>
+              <a:t>i</a:t>
+            </a:r>
+            <a:r>
+              <a:rPr lang="pl-PL" dirty="0" smtClean="0"/>
+              <a:t>(t)]</a:t>
+            </a:r>
+            <a:endParaRPr lang="pl-PL" dirty="0"/>
           </a:p>
         </p:txBody>
       </p:sp>
@@ -2803,6 +2950,10 @@
           <a:bodyPr/>
           <a:lstStyle/>
           <a:p>
+            <a:r>
+              <a:rPr lang="pl-PL" dirty="0" smtClean="0"/>
+              <a:t>Interpretacja wyników</a:t>
+            </a:r>
             <a:endParaRPr lang="pl-PL" dirty="0"/>
           </a:p>
         </p:txBody>
@@ -2817,11 +2968,213 @@
             <p:ph idx="1"/>
           </p:nvPr>
         </p:nvSpPr>
-        <p:spPr/>
+        <p:spPr>
+          <a:xfrm>
+            <a:off x="611188" y="2420888"/>
+            <a:ext cx="8424862" cy="4321225"/>
+          </a:xfrm>
+        </p:spPr>
         <p:txBody>
           <a:bodyPr/>
           <a:lstStyle/>
           <a:p>
+            <a:r>
+              <a:rPr lang="pl-PL" dirty="0" smtClean="0"/>
+              <a:t>Neurony na wyjściach zwracają odległości swoich wektorów od wektora wejściowego z danymi podanymi od użytkownika.</a:t>
+            </a:r>
+          </a:p>
+          <a:p>
+            <a:r>
+              <a:rPr lang="pl-PL" dirty="0" smtClean="0"/>
+              <a:t>Jako wynik zapytania szeregujemy neurony pod względem wartości ich wyjść.</a:t>
+            </a:r>
+          </a:p>
+          <a:p>
+            <a:r>
+              <a:rPr lang="pl-PL" dirty="0" smtClean="0"/>
+              <a:t>Nadal nie dostajemy danych o pojazdach.</a:t>
+            </a:r>
+            <a:endParaRPr lang="pl-PL" dirty="0"/>
+          </a:p>
+        </p:txBody>
+      </p:sp>
+    </p:spTree>
+    <p:extLst>
+      <p:ext uri="{BB962C8B-B14F-4D97-AF65-F5344CB8AC3E}">
+        <p14:creationId xmlns:p14="http://schemas.microsoft.com/office/powerpoint/2010/main" val="790672918"/>
+      </p:ext>
+    </p:extLst>
+  </p:cSld>
+  <p:clrMapOvr>
+    <a:masterClrMapping/>
+  </p:clrMapOvr>
+  <mc:AlternateContent xmlns:mc="http://schemas.openxmlformats.org/markup-compatibility/2006">
+    <mc:Choice xmlns:p14="http://schemas.microsoft.com/office/powerpoint/2010/main" Requires="p14">
+      <p:transition p14:dur="0"/>
+    </mc:Choice>
+    <mc:Fallback>
+      <p:transition/>
+    </mc:Fallback>
+  </mc:AlternateContent>
+</p:sld>
+</file>
+
+<file path=ppt/slides/slide12.xml><?xml version="1.0" encoding="utf-8"?>
+<p:sld xmlns:a="http://schemas.openxmlformats.org/drawingml/2006/main" xmlns:r="http://schemas.openxmlformats.org/officeDocument/2006/relationships" xmlns:p="http://schemas.openxmlformats.org/presentationml/2006/main">
+  <p:cSld>
+    <p:spTree>
+      <p:nvGrpSpPr>
+        <p:cNvPr id="1" name=""/>
+        <p:cNvGrpSpPr/>
+        <p:nvPr/>
+      </p:nvGrpSpPr>
+      <p:grpSpPr>
+        <a:xfrm>
+          <a:off x="0" y="0"/>
+          <a:ext cx="0" cy="0"/>
+          <a:chOff x="0" y="0"/>
+          <a:chExt cx="0" cy="0"/>
+        </a:xfrm>
+      </p:grpSpPr>
+      <p:sp>
+        <p:nvSpPr>
+          <p:cNvPr id="2" name="Title 1"/>
+          <p:cNvSpPr>
+            <a:spLocks noGrp="1"/>
+          </p:cNvSpPr>
+          <p:nvPr>
+            <p:ph type="title"/>
+          </p:nvPr>
+        </p:nvSpPr>
+        <p:spPr/>
+        <p:txBody>
+          <a:bodyPr/>
+          <a:lstStyle/>
+          <a:p>
+            <a:r>
+              <a:rPr lang="pl-PL" dirty="0" smtClean="0"/>
+              <a:t>Interpretacja wyników</a:t>
+            </a:r>
+            <a:endParaRPr lang="pl-PL" dirty="0"/>
+          </a:p>
+        </p:txBody>
+      </p:sp>
+      <p:sp>
+        <p:nvSpPr>
+          <p:cNvPr id="3" name="Content Placeholder 2"/>
+          <p:cNvSpPr>
+            <a:spLocks noGrp="1"/>
+          </p:cNvSpPr>
+          <p:nvPr>
+            <p:ph idx="1"/>
+          </p:nvPr>
+        </p:nvSpPr>
+        <p:spPr/>
+        <p:txBody>
+          <a:bodyPr/>
+          <a:lstStyle/>
+          <a:p>
+            <a:pPr marL="0" indent="0">
+              <a:buNone/>
+            </a:pPr>
+            <a:r>
+              <a:rPr lang="pl-PL" dirty="0" smtClean="0"/>
+              <a:t>Po nauczeniu sieci dla każdego samochodu z bazy znajdujemy neuron zwycięski i przypisujemy mu dany samochód.</a:t>
+            </a:r>
+          </a:p>
+          <a:p>
+            <a:pPr marL="0" indent="0">
+              <a:buNone/>
+            </a:pPr>
+            <a:r>
+              <a:rPr lang="pl-PL" dirty="0" smtClean="0"/>
+              <a:t>Wybieramy neurony w kolejności z listy wynikowej dopóki nie wypiszemy wystarczającej liczby samochodów.</a:t>
+            </a:r>
+          </a:p>
+          <a:p>
+            <a:pPr marL="0" indent="0">
+              <a:buNone/>
+            </a:pPr>
+            <a:r>
+              <a:rPr lang="pl-PL" dirty="0" smtClean="0"/>
+              <a:t>Dla każdego wybranego neuronu wypisujemy wszystkie samochody mu przypisane. </a:t>
+            </a:r>
+            <a:endParaRPr lang="pl-PL" dirty="0"/>
+          </a:p>
+        </p:txBody>
+      </p:sp>
+    </p:spTree>
+    <p:extLst>
+      <p:ext uri="{BB962C8B-B14F-4D97-AF65-F5344CB8AC3E}">
+        <p14:creationId xmlns:p14="http://schemas.microsoft.com/office/powerpoint/2010/main" val="3213302880"/>
+      </p:ext>
+    </p:extLst>
+  </p:cSld>
+  <p:clrMapOvr>
+    <a:masterClrMapping/>
+  </p:clrMapOvr>
+  <mc:AlternateContent xmlns:mc="http://schemas.openxmlformats.org/markup-compatibility/2006">
+    <mc:Choice xmlns:p14="http://schemas.microsoft.com/office/powerpoint/2010/main" Requires="p14">
+      <p:transition p14:dur="0"/>
+    </mc:Choice>
+    <mc:Fallback>
+      <p:transition/>
+    </mc:Fallback>
+  </mc:AlternateContent>
+</p:sld>
+</file>
+
+<file path=ppt/slides/slide13.xml><?xml version="1.0" encoding="utf-8"?>
+<p:sld xmlns:a="http://schemas.openxmlformats.org/drawingml/2006/main" xmlns:r="http://schemas.openxmlformats.org/officeDocument/2006/relationships" xmlns:p="http://schemas.openxmlformats.org/presentationml/2006/main">
+  <p:cSld>
+    <p:spTree>
+      <p:nvGrpSpPr>
+        <p:cNvPr id="1" name=""/>
+        <p:cNvGrpSpPr/>
+        <p:nvPr/>
+      </p:nvGrpSpPr>
+      <p:grpSpPr>
+        <a:xfrm>
+          <a:off x="0" y="0"/>
+          <a:ext cx="0" cy="0"/>
+          <a:chOff x="0" y="0"/>
+          <a:chExt cx="0" cy="0"/>
+        </a:xfrm>
+      </p:grpSpPr>
+      <p:sp>
+        <p:nvSpPr>
+          <p:cNvPr id="2" name="Title 1"/>
+          <p:cNvSpPr>
+            <a:spLocks noGrp="1"/>
+          </p:cNvSpPr>
+          <p:nvPr>
+            <p:ph type="title"/>
+          </p:nvPr>
+        </p:nvSpPr>
+        <p:spPr/>
+        <p:txBody>
+          <a:bodyPr/>
+          <a:lstStyle/>
+          <a:p>
+            <a:endParaRPr lang="pl-PL" dirty="0"/>
+          </a:p>
+        </p:txBody>
+      </p:sp>
+      <p:sp>
+        <p:nvSpPr>
+          <p:cNvPr id="3" name="Content Placeholder 2"/>
+          <p:cNvSpPr>
+            <a:spLocks noGrp="1"/>
+          </p:cNvSpPr>
+          <p:nvPr>
+            <p:ph idx="1"/>
+          </p:nvPr>
+        </p:nvSpPr>
+        <p:spPr/>
+        <p:txBody>
+          <a:bodyPr/>
+          <a:lstStyle/>
+          <a:p>
             <a:pPr algn="ctr"/>
             <a:endParaRPr lang="pl-PL" dirty="0" smtClean="0"/>
           </a:p>
@@ -2839,7 +3192,11 @@
             </a:pPr>
             <a:r>
               <a:rPr lang="pl-PL" dirty="0" smtClean="0"/>
-              <a:t>Prezentacja programu</a:t>
+              <a:t>Prezentacja </a:t>
+            </a:r>
+            <a:r>
+              <a:rPr lang="pl-PL" dirty="0" smtClean="0"/>
+              <a:t>aplikacji</a:t>
             </a:r>
             <a:endParaRPr lang="pl-PL" dirty="0"/>
           </a:p>
@@ -2873,7 +3230,7 @@
 </p:sld>
 </file>
 
-<file path=ppt/slides/slide12.xml><?xml version="1.0" encoding="utf-8"?>
+<file path=ppt/slides/slide14.xml><?xml version="1.0" encoding="utf-8"?>
 <p:sld xmlns:a="http://schemas.openxmlformats.org/drawingml/2006/main" xmlns:r="http://schemas.openxmlformats.org/officeDocument/2006/relationships" xmlns:p="http://schemas.openxmlformats.org/presentationml/2006/main">
   <p:cSld>
     <p:spTree>
@@ -2984,7 +3341,7 @@
 </p:sld>
 </file>
 
-<file path=ppt/slides/slide13.xml><?xml version="1.0" encoding="utf-8"?>
+<file path=ppt/slides/slide15.xml><?xml version="1.0" encoding="utf-8"?>
 <p:sld xmlns:a="http://schemas.openxmlformats.org/drawingml/2006/main" xmlns:r="http://schemas.openxmlformats.org/officeDocument/2006/relationships" xmlns:p="http://schemas.openxmlformats.org/presentationml/2006/main">
   <p:cSld>
     <p:spTree>
@@ -3204,8 +3561,13 @@
             </a:pPr>
             <a:r>
               <a:rPr lang="pl-PL" dirty="0" smtClean="0"/>
-              <a:t>Prezentacja programu.</a:t>
-            </a:r>
+              <a:t>Prezentacja </a:t>
+            </a:r>
+            <a:r>
+              <a:rPr lang="pl-PL" dirty="0" smtClean="0"/>
+              <a:t>aplikacji.</a:t>
+            </a:r>
+            <a:endParaRPr lang="pl-PL" dirty="0" smtClean="0"/>
           </a:p>
           <a:p>
             <a:pPr marL="514350" indent="-514350">
@@ -3552,7 +3914,19 @@
             </a:pPr>
             <a:r>
               <a:rPr lang="pl-PL" dirty="0" smtClean="0"/>
-              <a:t>Wybrane parametry - baza danych samochodów w pliku tekstowym w postaci:</a:t>
+              <a:t>Wybrane parametry - baza danych samochodów w pliku </a:t>
+            </a:r>
+            <a:r>
+              <a:rPr lang="pl-PL" dirty="0" smtClean="0"/>
+              <a:t>tekstowym w </a:t>
+            </a:r>
+            <a:r>
+              <a:rPr lang="pl-PL" dirty="0" smtClean="0"/>
+              <a:t>postaci</a:t>
+            </a:r>
+            <a:r>
+              <a:rPr lang="pl-PL" dirty="0" smtClean="0"/>
+              <a:t>:</a:t>
             </a:r>
           </a:p>
           <a:p>
@@ -3587,6 +3961,30 @@
             <a:pPr marL="0" indent="0">
               <a:buNone/>
             </a:pPr>
+            <a:r>
+              <a:rPr lang="pl-PL" dirty="0" smtClean="0"/>
+              <a:t>Źródło danych: </a:t>
+            </a:r>
+            <a:r>
+              <a:rPr lang="pl-PL" dirty="0" err="1" smtClean="0"/>
+              <a:t>OtoMoto</a:t>
+            </a:r>
+            <a:r>
+              <a:rPr lang="pl-PL" dirty="0"/>
+              <a:t> </a:t>
+            </a:r>
+            <a:r>
+              <a:rPr lang="pl-PL" dirty="0" smtClean="0"/>
+              <a:t>czerwiec </a:t>
+            </a:r>
+            <a:r>
+              <a:rPr lang="pl-PL" dirty="0"/>
+              <a:t>2012 </a:t>
+            </a:r>
+            <a:r>
+              <a:rPr lang="pl-PL" dirty="0" smtClean="0"/>
+              <a:t>roku</a:t>
+            </a:r>
             <a:endParaRPr lang="pl-PL" dirty="0"/>
           </a:p>
         </p:txBody>
